--- a/01, Introduction to the course. Hardware/01, Introduction to the course. Hardware.pptx
+++ b/01, Introduction to the course. Hardware/01, Introduction to the course. Hardware.pptx
@@ -25488,11 +25488,11 @@
           <a:p>
             <a:r>
               <a:rPr lang="pl-PL" sz="1800"/>
-              <a:t>                                                                                Łukasz </a:t>
+              <a:t>git@github.com:zmywak/it-school.git                 </a:t>
             </a:r>
             <a:r>
               <a:rPr lang="pl-PL" sz="1800" dirty="0"/>
-              <a:t>Zmywaczyk </a:t>
+              <a:t>Łukasz Zmywaczyk </a:t>
             </a:r>
           </a:p>
         </p:txBody>

--- a/01, Introduction to the course. Hardware/01, Introduction to the course. Hardware.pptx
+++ b/01, Introduction to the course. Hardware/01, Introduction to the course. Hardware.pptx
@@ -23995,6 +23995,14 @@
 <file path=ppt/slides/slide12.xml><?xml version="1.0" encoding="utf-8"?>
 <p:sld xmlns:a="http://schemas.openxmlformats.org/drawingml/2006/main" xmlns:r="http://schemas.openxmlformats.org/officeDocument/2006/relationships" xmlns:p="http://schemas.openxmlformats.org/presentationml/2006/main">
   <p:cSld>
+    <p:bg>
+      <p:bgPr>
+        <a:solidFill>
+          <a:schemeClr val="bg1"/>
+        </a:solidFill>
+        <a:effectLst/>
+      </p:bgPr>
+    </p:bg>
     <p:spTree>
       <p:nvGrpSpPr>
         <p:cNvPr id="1" name=""/>
@@ -24032,7 +24040,7 @@
           <a:p>
             <a:r>
               <a:rPr lang="pl-PL" dirty="0"/>
-              <a:t>WEATHER STATION</a:t>
+              <a:t>GETTING HANDS DIRTY</a:t>
             </a:r>
             <a:br>
               <a:rPr lang="en-US" dirty="0"/>
@@ -24070,166 +24078,34 @@
           </a:p>
         </p:txBody>
       </p:sp>
-      <p:sp>
-        <p:nvSpPr>
-          <p:cNvPr id="14" name="Content Placeholder 13">
+      <p:pic>
+        <p:nvPicPr>
+          <p:cNvPr id="8" name="Picture 7">
             <a:extLst>
               <a:ext uri="{FF2B5EF4-FFF2-40B4-BE49-F238E27FC236}">
-                <a16:creationId xmlns:a16="http://schemas.microsoft.com/office/drawing/2014/main" id="{DD1D0BF9-FCAA-67DA-79AB-E6E7E6D2B6A1}"/>
-              </a:ext>
-            </a:extLst>
-          </p:cNvPr>
-          <p:cNvSpPr>
-            <a:spLocks noGrp="1"/>
-          </p:cNvSpPr>
-          <p:nvPr>
-            <p:ph sz="quarter" idx="4"/>
-          </p:nvPr>
-        </p:nvSpPr>
-        <p:spPr>
-          <a:xfrm>
-            <a:off x="7697216" y="2384712"/>
-            <a:ext cx="3741928" cy="3684588"/>
-          </a:xfrm>
-        </p:spPr>
-        <p:txBody>
-          <a:bodyPr/>
-          <a:lstStyle/>
-          <a:p>
-            <a:r>
-              <a:rPr lang="en-US" sz="1800" dirty="0"/>
-              <a:t>Sensors: </a:t>
-            </a:r>
-            <a:endParaRPr lang="pl-PL" sz="1800" dirty="0"/>
-          </a:p>
-          <a:p>
-            <a:pPr lvl="1"/>
-            <a:r>
-              <a:rPr lang="en-US" sz="1600" dirty="0"/>
-              <a:t>Temperature </a:t>
-            </a:r>
-            <a:endParaRPr lang="pl-PL" sz="1600" dirty="0"/>
-          </a:p>
-          <a:p>
-            <a:pPr lvl="1"/>
-            <a:r>
-              <a:rPr lang="pl-PL" sz="1600" dirty="0"/>
-              <a:t>H</a:t>
-            </a:r>
-            <a:r>
-              <a:rPr lang="en-US" sz="1600" dirty="0" err="1"/>
-              <a:t>umidity</a:t>
-            </a:r>
-            <a:r>
-              <a:rPr lang="en-US" sz="1600" dirty="0"/>
-              <a:t> </a:t>
-            </a:r>
-            <a:endParaRPr lang="pl-PL" sz="1600" dirty="0"/>
-          </a:p>
-          <a:p>
-            <a:pPr lvl="1"/>
-            <a:r>
-              <a:rPr lang="pl-PL" sz="1600" dirty="0"/>
-              <a:t>P</a:t>
-            </a:r>
-            <a:r>
-              <a:rPr lang="en-US" sz="1600" dirty="0" err="1"/>
-              <a:t>ressure</a:t>
-            </a:r>
-            <a:endParaRPr lang="pl-PL" sz="1600" dirty="0"/>
-          </a:p>
-          <a:p>
-            <a:pPr lvl="1"/>
-            <a:r>
-              <a:rPr lang="pl-PL" sz="1600" dirty="0"/>
-              <a:t>R</a:t>
-            </a:r>
-            <a:r>
-              <a:rPr lang="en-US" sz="1600" dirty="0" err="1"/>
-              <a:t>ainfall</a:t>
-            </a:r>
-            <a:endParaRPr lang="pl-PL" sz="1600" dirty="0"/>
-          </a:p>
-          <a:p>
-            <a:pPr lvl="1"/>
-            <a:r>
-              <a:rPr lang="pl-PL" sz="1600" dirty="0"/>
-              <a:t>Air quality ?</a:t>
-            </a:r>
-          </a:p>
-          <a:p>
-            <a:pPr lvl="1"/>
-            <a:r>
-              <a:rPr lang="pl-PL" sz="1600" dirty="0"/>
-              <a:t>Air speed</a:t>
-            </a:r>
-          </a:p>
-          <a:p>
-            <a:r>
-              <a:rPr lang="pl-PL" sz="1800" dirty="0"/>
-              <a:t>Data</a:t>
-            </a:r>
-          </a:p>
-          <a:p>
-            <a:r>
-              <a:rPr lang="pl-PL" sz="1800" dirty="0"/>
-              <a:t>Visualization</a:t>
-            </a:r>
-          </a:p>
-          <a:p>
-            <a:r>
-              <a:rPr lang="pl-PL" sz="1800" dirty="0"/>
-              <a:t>Triggers</a:t>
-            </a:r>
-            <a:endParaRPr lang="en-US" sz="1800" dirty="0"/>
-          </a:p>
-        </p:txBody>
-      </p:sp>
-      <p:pic>
-        <p:nvPicPr>
-          <p:cNvPr id="3074" name="Picture 2">
-            <a:extLst>
-              <a:ext uri="{FF2B5EF4-FFF2-40B4-BE49-F238E27FC236}">
-                <a16:creationId xmlns:a16="http://schemas.microsoft.com/office/drawing/2014/main" id="{5E228F3C-0F81-963F-A69C-D7B23D53C448}"/>
+                <a16:creationId xmlns:a16="http://schemas.microsoft.com/office/drawing/2014/main" id="{C69BE206-EACE-A731-7FBB-6154FCCDCFFA}"/>
               </a:ext>
             </a:extLst>
           </p:cNvPr>
           <p:cNvPicPr>
-            <a:picLocks noChangeAspect="1" noChangeArrowheads="1"/>
+            <a:picLocks noChangeAspect="1"/>
           </p:cNvPicPr>
           <p:nvPr/>
         </p:nvPicPr>
         <p:blipFill>
-          <a:blip r:embed="rId2">
-            <a:extLst>
-              <a:ext uri="{28A0092B-C50C-407E-A947-70E740481C1C}">
-                <a14:useLocalDpi xmlns:a14="http://schemas.microsoft.com/office/drawing/2010/main" val="0"/>
-              </a:ext>
-            </a:extLst>
-          </a:blip>
-          <a:srcRect/>
+          <a:blip r:embed="rId2"/>
           <a:stretch>
             <a:fillRect/>
           </a:stretch>
         </p:blipFill>
-        <p:spPr bwMode="auto">
+        <p:spPr>
           <a:xfrm>
-            <a:off x="4049414" y="2523744"/>
-            <a:ext cx="3153054" cy="2877312"/>
+            <a:off x="3943835" y="2146457"/>
+            <a:ext cx="7495309" cy="4124056"/>
           </a:xfrm>
           <a:prstGeom prst="rect">
             <a:avLst/>
           </a:prstGeom>
-          <a:noFill/>
-          <a:extLst>
-            <a:ext uri="{909E8E84-426E-40DD-AFC4-6F175D3DCCD1}">
-              <a14:hiddenFill xmlns:a14="http://schemas.microsoft.com/office/drawing/2010/main">
-                <a:solidFill>
-                  <a:srgbClr val="FFFFFF"/>
-                </a:solidFill>
-              </a14:hiddenFill>
-            </a:ext>
-          </a:extLst>
         </p:spPr>
       </p:pic>
     </p:spTree>
